--- a/5.Crypto/Cryptology6-Diffie-Hellman.pptx
+++ b/5.Crypto/Cryptology6-Diffie-Hellman.pptx
@@ -213,7 +213,7 @@
           <a:p>
             <a:fld id="{8F1BD06C-C81C-47D7-B7EE-28E1C7297220}" type="datetimeFigureOut">
               <a:rPr lang="en-US" smtClean="0"/>
-              <a:t>2/24/2020</a:t>
+              <a:t>11/25/2020</a:t>
             </a:fld>
             <a:endParaRPr lang="en-US"/>
           </a:p>
@@ -851,31 +851,6 @@
           <a:p>
             <a:r>
               <a:rPr lang="en-US" dirty="0"/>
-              <a:t>Note:  my Python script does not eliminate 0 from the range as it should.  The set Z</a:t>
-            </a:r>
-            <a:r>
-              <a:rPr lang="en-US" baseline="-25000" dirty="0"/>
-              <a:t>17</a:t>
-            </a:r>
-            <a:r>
-              <a:rPr lang="en-US" dirty="0"/>
-              <a:t> includes 0 but is not a group because 0 does not have a multiplicative inverse.  The set Z</a:t>
-            </a:r>
-            <a:r>
-              <a:rPr lang="en-US" baseline="-25000" dirty="0"/>
-              <a:t>17</a:t>
-            </a:r>
-            <a:r>
-              <a:rPr lang="en-US" dirty="0"/>
-              <a:t>* does not include 0 and is a cyclic group.  Just ignore the first line of output from my script.</a:t>
-            </a:r>
-          </a:p>
-          <a:p>
-            <a:endParaRPr lang="en-US" dirty="0"/>
-          </a:p>
-          <a:p>
-            <a:r>
-              <a:rPr lang="en-US" dirty="0"/>
               <a:t>This is just a simple Python For Loop, with </a:t>
             </a:r>
             <a:r>
@@ -2455,7 +2430,7 @@
           <a:p>
             <a:r>
               <a:rPr lang="en-US" dirty="0"/>
-              <a:t>As of three years ago, RSA is the dominant algorithm by far for computing digital signatures.  However, it was used in only 39% of HTTPS key exchanges.  This number should be even smaller now, since TLS v1.3 forbids the use of RSA.  For the foreseeable future, expect HTTPS to be mostly the elliptic curve variant of DHKE.</a:t>
+              <a:t>As of three years ago, RSA was the dominant algorithm by far for computing digital signatures.  However, it was used in only 39% of HTTPS key exchanges.  This number should be even smaller now, since TLS v1.3 forbids the use of RSA.  For the foreseeable future, expect HTTPS to be mostly the elliptic curve variant of DHKE.</a:t>
             </a:r>
           </a:p>
         </p:txBody>
@@ -2643,7 +2618,7 @@
           <a:p>
             <a:fld id="{FAD5841D-BCB9-45F1-AE12-EC4A780766DC}" type="datetimeFigureOut">
               <a:rPr lang="en-US" smtClean="0"/>
-              <a:t>2/24/2020</a:t>
+              <a:t>11/25/2020</a:t>
             </a:fld>
             <a:endParaRPr lang="en-US"/>
           </a:p>
@@ -2841,7 +2816,7 @@
           <a:p>
             <a:fld id="{FAD5841D-BCB9-45F1-AE12-EC4A780766DC}" type="datetimeFigureOut">
               <a:rPr lang="en-US" smtClean="0"/>
-              <a:t>2/24/2020</a:t>
+              <a:t>11/25/2020</a:t>
             </a:fld>
             <a:endParaRPr lang="en-US"/>
           </a:p>
@@ -3049,7 +3024,7 @@
           <a:p>
             <a:fld id="{FAD5841D-BCB9-45F1-AE12-EC4A780766DC}" type="datetimeFigureOut">
               <a:rPr lang="en-US" smtClean="0"/>
-              <a:t>2/24/2020</a:t>
+              <a:t>11/25/2020</a:t>
             </a:fld>
             <a:endParaRPr lang="en-US"/>
           </a:p>
@@ -3247,7 +3222,7 @@
           <a:p>
             <a:fld id="{FAD5841D-BCB9-45F1-AE12-EC4A780766DC}" type="datetimeFigureOut">
               <a:rPr lang="en-US" smtClean="0"/>
-              <a:t>2/24/2020</a:t>
+              <a:t>11/25/2020</a:t>
             </a:fld>
             <a:endParaRPr lang="en-US"/>
           </a:p>
@@ -3522,7 +3497,7 @@
           <a:p>
             <a:fld id="{FAD5841D-BCB9-45F1-AE12-EC4A780766DC}" type="datetimeFigureOut">
               <a:rPr lang="en-US" smtClean="0"/>
-              <a:t>2/24/2020</a:t>
+              <a:t>11/25/2020</a:t>
             </a:fld>
             <a:endParaRPr lang="en-US"/>
           </a:p>
@@ -3787,7 +3762,7 @@
           <a:p>
             <a:fld id="{FAD5841D-BCB9-45F1-AE12-EC4A780766DC}" type="datetimeFigureOut">
               <a:rPr lang="en-US" smtClean="0"/>
-              <a:t>2/24/2020</a:t>
+              <a:t>11/25/2020</a:t>
             </a:fld>
             <a:endParaRPr lang="en-US"/>
           </a:p>
@@ -4199,7 +4174,7 @@
           <a:p>
             <a:fld id="{FAD5841D-BCB9-45F1-AE12-EC4A780766DC}" type="datetimeFigureOut">
               <a:rPr lang="en-US" smtClean="0"/>
-              <a:t>2/24/2020</a:t>
+              <a:t>11/25/2020</a:t>
             </a:fld>
             <a:endParaRPr lang="en-US"/>
           </a:p>
@@ -4340,7 +4315,7 @@
           <a:p>
             <a:fld id="{FAD5841D-BCB9-45F1-AE12-EC4A780766DC}" type="datetimeFigureOut">
               <a:rPr lang="en-US" smtClean="0"/>
-              <a:t>2/24/2020</a:t>
+              <a:t>11/25/2020</a:t>
             </a:fld>
             <a:endParaRPr lang="en-US"/>
           </a:p>
@@ -4453,7 +4428,7 @@
           <a:p>
             <a:fld id="{FAD5841D-BCB9-45F1-AE12-EC4A780766DC}" type="datetimeFigureOut">
               <a:rPr lang="en-US" smtClean="0"/>
-              <a:t>2/24/2020</a:t>
+              <a:t>11/25/2020</a:t>
             </a:fld>
             <a:endParaRPr lang="en-US"/>
           </a:p>
@@ -4764,7 +4739,7 @@
           <a:p>
             <a:fld id="{FAD5841D-BCB9-45F1-AE12-EC4A780766DC}" type="datetimeFigureOut">
               <a:rPr lang="en-US" smtClean="0"/>
-              <a:t>2/24/2020</a:t>
+              <a:t>11/25/2020</a:t>
             </a:fld>
             <a:endParaRPr lang="en-US"/>
           </a:p>
@@ -5052,7 +5027,7 @@
           <a:p>
             <a:fld id="{FAD5841D-BCB9-45F1-AE12-EC4A780766DC}" type="datetimeFigureOut">
               <a:rPr lang="en-US" smtClean="0"/>
-              <a:t>2/24/2020</a:t>
+              <a:t>11/25/2020</a:t>
             </a:fld>
             <a:endParaRPr lang="en-US"/>
           </a:p>
@@ -5293,7 +5268,7 @@
           <a:p>
             <a:fld id="{FAD5841D-BCB9-45F1-AE12-EC4A780766DC}" type="datetimeFigureOut">
               <a:rPr lang="en-US" smtClean="0"/>
-              <a:t>2/24/2020</a:t>
+              <a:t>11/25/2020</a:t>
             </a:fld>
             <a:endParaRPr lang="en-US"/>
           </a:p>
@@ -6129,10 +6104,10 @@
       </p:grpSpPr>
       <p:sp>
         <p:nvSpPr>
-          <p:cNvPr id="2" name="Title 1">
-            <a:extLst>
-              <a:ext uri="{FF2B5EF4-FFF2-40B4-BE49-F238E27FC236}">
-                <a16:creationId xmlns:a16="http://schemas.microsoft.com/office/drawing/2014/main" id="{3700277B-F031-4A4D-8D4A-5EFAD8D21B53}"/>
+          <p:cNvPr id="18" name="Title 1">
+            <a:extLst>
+              <a:ext uri="{FF2B5EF4-FFF2-40B4-BE49-F238E27FC236}">
+                <a16:creationId xmlns:a16="http://schemas.microsoft.com/office/drawing/2014/main" id="{49F7FBDB-D948-448B-A4BE-BFBFFC3B8B32}"/>
               </a:ext>
             </a:extLst>
           </p:cNvPr>
@@ -6143,7 +6118,12 @@
             <p:ph type="title"/>
           </p:nvPr>
         </p:nvSpPr>
-        <p:spPr/>
+        <p:spPr>
+          <a:xfrm>
+            <a:off x="838200" y="365125"/>
+            <a:ext cx="10515600" cy="1325563"/>
+          </a:xfrm>
+        </p:spPr>
         <p:txBody>
           <a:bodyPr/>
           <a:lstStyle/>
@@ -6165,10 +6145,10 @@
       </p:sp>
       <p:sp>
         <p:nvSpPr>
-          <p:cNvPr id="3" name="Content Placeholder 2">
-            <a:extLst>
-              <a:ext uri="{FF2B5EF4-FFF2-40B4-BE49-F238E27FC236}">
-                <a16:creationId xmlns:a16="http://schemas.microsoft.com/office/drawing/2014/main" id="{9A776086-F5FC-4942-B434-0A59F0E51D12}"/>
+          <p:cNvPr id="19" name="Content Placeholder 2">
+            <a:extLst>
+              <a:ext uri="{FF2B5EF4-FFF2-40B4-BE49-F238E27FC236}">
+                <a16:creationId xmlns:a16="http://schemas.microsoft.com/office/drawing/2014/main" id="{104F9BD5-CEC1-46CB-AD33-04105AED405F}"/>
               </a:ext>
             </a:extLst>
           </p:cNvPr>
@@ -6182,18 +6162,18 @@
         <p:spPr>
           <a:xfrm>
             <a:off x="838200" y="1572353"/>
-            <a:ext cx="10515600" cy="723171"/>
+            <a:ext cx="10515600" cy="981276"/>
           </a:xfrm>
         </p:spPr>
         <p:txBody>
           <a:bodyPr>
-            <a:normAutofit fontScale="92500" lnSpcReduction="20000"/>
+            <a:normAutofit fontScale="77500" lnSpcReduction="20000"/>
           </a:bodyPr>
           <a:lstStyle/>
           <a:p>
             <a:r>
               <a:rPr lang="en-US" dirty="0"/>
-              <a:t>Try these simple examples that compute </a:t>
+              <a:t>Try these examples that compute </a:t>
             </a:r>
             <a:r>
               <a:rPr lang="el-GR" dirty="0"/>
@@ -6205,14 +6185,7 @@
             </a:r>
             <a:r>
               <a:rPr lang="en-US" dirty="0"/>
-              <a:t> mod 17</a:t>
-            </a:r>
-          </a:p>
-          <a:p>
-            <a:pPr lvl="1"/>
-            <a:r>
-              <a:rPr lang="en-US" dirty="0"/>
-              <a:t>Note that </a:t>
+              <a:t> mod 17. </a:t>
             </a:r>
             <a:r>
               <a:rPr lang="el-GR" dirty="0"/>
@@ -6227,14 +6200,31 @@
               <a:t> repeats as soon as the result hits 1</a:t>
             </a:r>
           </a:p>
+          <a:p>
+            <a:pPr lvl="1"/>
+            <a:endParaRPr lang="en-US" dirty="0"/>
+          </a:p>
+          <a:p>
+            <a:pPr marL="457200" lvl="1" indent="0">
+              <a:buNone/>
+            </a:pPr>
+            <a:r>
+              <a:rPr lang="en-US" dirty="0"/>
+              <a:t>Good			OK				Awful</a:t>
+            </a:r>
+          </a:p>
+          <a:p>
+            <a:pPr lvl="1"/>
+            <a:endParaRPr lang="en-US" dirty="0"/>
+          </a:p>
         </p:txBody>
       </p:sp>
       <p:pic>
         <p:nvPicPr>
-          <p:cNvPr id="4" name="Picture 3">
-            <a:extLst>
-              <a:ext uri="{FF2B5EF4-FFF2-40B4-BE49-F238E27FC236}">
-                <a16:creationId xmlns:a16="http://schemas.microsoft.com/office/drawing/2014/main" id="{A40335DF-5F57-4AEC-89AE-F47747357EE2}"/>
+          <p:cNvPr id="20" name="Picture 19">
+            <a:extLst>
+              <a:ext uri="{FF2B5EF4-FFF2-40B4-BE49-F238E27FC236}">
+                <a16:creationId xmlns:a16="http://schemas.microsoft.com/office/drawing/2014/main" id="{AD1ABD1B-CA9F-4838-9C15-3BEF120DE7B7}"/>
               </a:ext>
             </a:extLst>
           </p:cNvPr>
@@ -6251,8 +6241,8 @@
         </p:blipFill>
         <p:spPr>
           <a:xfrm>
-            <a:off x="838200" y="2424112"/>
-            <a:ext cx="2724150" cy="3705225"/>
+            <a:off x="878507" y="2424112"/>
+            <a:ext cx="2862391" cy="4068763"/>
           </a:xfrm>
           <a:prstGeom prst="rect">
             <a:avLst/>
@@ -6261,10 +6251,10 @@
       </p:pic>
       <p:pic>
         <p:nvPicPr>
-          <p:cNvPr id="5" name="Picture 4">
-            <a:extLst>
-              <a:ext uri="{FF2B5EF4-FFF2-40B4-BE49-F238E27FC236}">
-                <a16:creationId xmlns:a16="http://schemas.microsoft.com/office/drawing/2014/main" id="{B684D998-9790-4E91-82CE-2B810CAD0E47}"/>
+          <p:cNvPr id="21" name="Picture 20">
+            <a:extLst>
+              <a:ext uri="{FF2B5EF4-FFF2-40B4-BE49-F238E27FC236}">
+                <a16:creationId xmlns:a16="http://schemas.microsoft.com/office/drawing/2014/main" id="{8C6AF9C0-D256-4E19-B3C4-0CEE912AF6CB}"/>
               </a:ext>
             </a:extLst>
           </p:cNvPr>
@@ -6281,8 +6271,8 @@
         </p:blipFill>
         <p:spPr>
           <a:xfrm>
-            <a:off x="3419475" y="2424112"/>
-            <a:ext cx="2676525" cy="3695700"/>
+            <a:off x="3921882" y="2424111"/>
+            <a:ext cx="2888932" cy="4068763"/>
           </a:xfrm>
           <a:prstGeom prst="rect">
             <a:avLst/>
@@ -6291,10 +6281,10 @@
       </p:pic>
       <p:pic>
         <p:nvPicPr>
-          <p:cNvPr id="6" name="Picture 5">
-            <a:extLst>
-              <a:ext uri="{FF2B5EF4-FFF2-40B4-BE49-F238E27FC236}">
-                <a16:creationId xmlns:a16="http://schemas.microsoft.com/office/drawing/2014/main" id="{C898A6B4-E35A-4DC4-A712-1F7288711986}"/>
+          <p:cNvPr id="22" name="Picture 21">
+            <a:extLst>
+              <a:ext uri="{FF2B5EF4-FFF2-40B4-BE49-F238E27FC236}">
+                <a16:creationId xmlns:a16="http://schemas.microsoft.com/office/drawing/2014/main" id="{3886709D-CEFC-4179-A684-F81A97AF3079}"/>
               </a:ext>
             </a:extLst>
           </p:cNvPr>
@@ -6311,8 +6301,8 @@
         </p:blipFill>
         <p:spPr>
           <a:xfrm>
-            <a:off x="6262687" y="2424112"/>
-            <a:ext cx="3076575" cy="3676650"/>
+            <a:off x="7389421" y="2553629"/>
+            <a:ext cx="2888932" cy="3855571"/>
           </a:xfrm>
           <a:prstGeom prst="rect">
             <a:avLst/>
@@ -7611,22 +7601,131 @@
           <a:p>
             <a:r>
               <a:rPr lang="en-US" dirty="0"/>
-              <a:t>Alice chooses secret a, gives Bob (public) A = α</a:t>
+              <a:t>Alice chooses secret a, gives Bob (public) </a:t>
+            </a:r>
+            <a:r>
+              <a:rPr lang="en-US" dirty="0">
+                <a:highlight>
+                  <a:srgbClr val="FFFF00"/>
+                </a:highlight>
+              </a:rPr>
+              <a:t>A = α</a:t>
+            </a:r>
+            <a:r>
+              <a:rPr lang="en-US" baseline="30000" dirty="0">
+                <a:highlight>
+                  <a:srgbClr val="FFFF00"/>
+                </a:highlight>
+              </a:rPr>
+              <a:t>a </a:t>
+            </a:r>
+            <a:r>
+              <a:rPr lang="en-US" dirty="0">
+                <a:highlight>
+                  <a:srgbClr val="FFFF00"/>
+                </a:highlight>
+              </a:rPr>
+              <a:t>mod p</a:t>
+            </a:r>
+            <a:endParaRPr lang="en-US" baseline="30000" dirty="0">
+              <a:highlight>
+                <a:srgbClr val="FFFF00"/>
+              </a:highlight>
+            </a:endParaRPr>
+          </a:p>
+          <a:p>
+            <a:r>
+              <a:rPr lang="en-US" dirty="0"/>
+              <a:t>Bob chooses secret b, gives Alice (public) </a:t>
+            </a:r>
+            <a:r>
+              <a:rPr lang="en-US" dirty="0">
+                <a:highlight>
+                  <a:srgbClr val="FFFF00"/>
+                </a:highlight>
+              </a:rPr>
+              <a:t>B = α</a:t>
+            </a:r>
+            <a:r>
+              <a:rPr lang="en-US" baseline="30000" dirty="0">
+                <a:highlight>
+                  <a:srgbClr val="FFFF00"/>
+                </a:highlight>
+              </a:rPr>
+              <a:t>b </a:t>
+            </a:r>
+            <a:r>
+              <a:rPr lang="en-US" dirty="0">
+                <a:highlight>
+                  <a:srgbClr val="FFFF00"/>
+                </a:highlight>
+              </a:rPr>
+              <a:t>mod p</a:t>
+            </a:r>
+            <a:endParaRPr lang="en-US" baseline="30000" dirty="0">
+              <a:highlight>
+                <a:srgbClr val="FFFF00"/>
+              </a:highlight>
+            </a:endParaRPr>
+          </a:p>
+          <a:p>
+            <a:r>
+              <a:rPr lang="en-US" dirty="0"/>
+              <a:t>Alice computes key B</a:t>
             </a:r>
             <a:r>
               <a:rPr lang="en-US" baseline="30000" dirty="0"/>
-              <a:t>a </a:t>
-            </a:r>
-            <a:r>
-              <a:rPr lang="en-US" dirty="0"/>
-              <a:t>mod p</a:t>
-            </a:r>
-            <a:endParaRPr lang="en-US" baseline="30000" dirty="0"/>
-          </a:p>
-          <a:p>
-            <a:r>
-              <a:rPr lang="en-US" dirty="0"/>
-              <a:t>Bob chooses secret b, gives Alice (public) B = α</a:t>
+              <a:t>a</a:t>
+            </a:r>
+            <a:r>
+              <a:rPr lang="en-US" dirty="0"/>
+              <a:t> = (α</a:t>
+            </a:r>
+            <a:r>
+              <a:rPr lang="en-US" baseline="30000" dirty="0"/>
+              <a:t>b</a:t>
+            </a:r>
+            <a:r>
+              <a:rPr lang="en-US" dirty="0"/>
+              <a:t>)</a:t>
+            </a:r>
+            <a:r>
+              <a:rPr lang="en-US" baseline="30000" dirty="0"/>
+              <a:t>a</a:t>
+            </a:r>
+            <a:r>
+              <a:rPr lang="en-US" dirty="0"/>
+              <a:t> = α</a:t>
+            </a:r>
+            <a:r>
+              <a:rPr lang="en-US" baseline="30000" dirty="0"/>
+              <a:t>ab</a:t>
+            </a:r>
+            <a:r>
+              <a:rPr lang="en-US" dirty="0"/>
+              <a:t> mod p</a:t>
+            </a:r>
+          </a:p>
+          <a:p>
+            <a:r>
+              <a:rPr lang="en-US" dirty="0"/>
+              <a:t>Bob computes key A</a:t>
+            </a:r>
+            <a:r>
+              <a:rPr lang="en-US" baseline="30000" dirty="0"/>
+              <a:t>b</a:t>
+            </a:r>
+            <a:r>
+              <a:rPr lang="en-US" dirty="0"/>
+              <a:t> = (α</a:t>
+            </a:r>
+            <a:r>
+              <a:rPr lang="en-US" baseline="30000" dirty="0"/>
+              <a:t>a</a:t>
+            </a:r>
+            <a:r>
+              <a:rPr lang="en-US" dirty="0"/>
+              <a:t>)</a:t>
             </a:r>
             <a:r>
               <a:rPr lang="en-US" baseline="30000" dirty="0"/>
@@ -7634,38 +7733,7 @@
             </a:r>
             <a:r>
               <a:rPr lang="en-US" dirty="0"/>
-              <a:t>mod p</a:t>
-            </a:r>
-            <a:endParaRPr lang="en-US" baseline="30000" dirty="0"/>
-          </a:p>
-          <a:p>
-            <a:r>
-              <a:rPr lang="en-US" dirty="0"/>
-              <a:t>Alice computes key B</a:t>
-            </a:r>
-            <a:r>
-              <a:rPr lang="en-US" baseline="30000" dirty="0"/>
-              <a:t>a</a:t>
-            </a:r>
-            <a:r>
-              <a:rPr lang="en-US" dirty="0"/>
-              <a:t> = (α</a:t>
-            </a:r>
-            <a:r>
-              <a:rPr lang="en-US" baseline="30000" dirty="0"/>
-              <a:t>b</a:t>
-            </a:r>
-            <a:r>
-              <a:rPr lang="en-US" dirty="0"/>
-              <a:t>)</a:t>
-            </a:r>
-            <a:r>
-              <a:rPr lang="en-US" baseline="30000" dirty="0"/>
-              <a:t>a</a:t>
-            </a:r>
-            <a:r>
-              <a:rPr lang="en-US" dirty="0"/>
-              <a:t> = α</a:t>
+              <a:t>= α</a:t>
             </a:r>
             <a:r>
               <a:rPr lang="en-US" baseline="30000" dirty="0"/>
@@ -7673,63 +7741,33 @@
             </a:r>
             <a:r>
               <a:rPr lang="en-US" dirty="0"/>
-              <a:t> mod p</a:t>
-            </a:r>
-          </a:p>
-          <a:p>
-            <a:r>
-              <a:rPr lang="en-US" dirty="0"/>
-              <a:t>Bob computes key A</a:t>
-            </a:r>
-            <a:r>
-              <a:rPr lang="en-US" baseline="30000" dirty="0"/>
-              <a:t>b</a:t>
-            </a:r>
-            <a:r>
-              <a:rPr lang="en-US" dirty="0"/>
-              <a:t> = (α</a:t>
-            </a:r>
-            <a:r>
-              <a:rPr lang="en-US" baseline="30000" dirty="0"/>
-              <a:t>a</a:t>
-            </a:r>
-            <a:r>
-              <a:rPr lang="en-US" dirty="0"/>
-              <a:t>)</a:t>
-            </a:r>
-            <a:r>
-              <a:rPr lang="en-US" baseline="30000" dirty="0"/>
-              <a:t>b </a:t>
-            </a:r>
-            <a:r>
-              <a:rPr lang="en-US" dirty="0"/>
-              <a:t>= α</a:t>
-            </a:r>
-            <a:r>
-              <a:rPr lang="en-US" baseline="30000" dirty="0"/>
+              <a:t> mod p, the same as Alice computed</a:t>
+            </a:r>
+          </a:p>
+          <a:p>
+            <a:r>
+              <a:rPr lang="en-US" dirty="0">
+                <a:highlight>
+                  <a:srgbClr val="FFFF00"/>
+                </a:highlight>
+              </a:rPr>
+              <a:t>α</a:t>
+            </a:r>
+            <a:r>
+              <a:rPr lang="en-US" baseline="30000" dirty="0">
+                <a:highlight>
+                  <a:srgbClr val="FFFF00"/>
+                </a:highlight>
+              </a:rPr>
               <a:t>ab</a:t>
             </a:r>
             <a:r>
-              <a:rPr lang="en-US" dirty="0"/>
-              <a:t> mod p, the same as Alice computed</a:t>
-            </a:r>
-          </a:p>
-          <a:p>
-            <a:r>
-              <a:rPr lang="en-US" u="sng" dirty="0"/>
-              <a:t>α</a:t>
-            </a:r>
-            <a:r>
-              <a:rPr lang="en-US" u="sng" baseline="30000" dirty="0"/>
-              <a:t>ab</a:t>
-            </a:r>
-            <a:r>
-              <a:rPr lang="en-US" u="sng" dirty="0"/>
-              <a:t> mod p </a:t>
-            </a:r>
-            <a:r>
-              <a:rPr lang="en-US" dirty="0"/>
-              <a:t>is the shared key</a:t>
+              <a:rPr lang="en-US" dirty="0">
+                <a:highlight>
+                  <a:srgbClr val="FFFF00"/>
+                </a:highlight>
+              </a:rPr>
+              <a:t> mod p is the shared key</a:t>
             </a:r>
           </a:p>
           <a:p>
